--- a/Credit card Dashboard insights.pptx
+++ b/Credit card Dashboard insights.pptx
@@ -7,9 +7,6 @@
   <p:sldIdLst>
     <p:sldId id="258" r:id="rId2"/>
     <p:sldId id="259" r:id="rId3"/>
-    <p:sldId id="260" r:id="rId4"/>
-    <p:sldId id="261" r:id="rId5"/>
-    <p:sldId id="257" r:id="rId6"/>
   </p:sldIdLst>
   <p:sldSz cx="12192000" cy="6858000"/>
   <p:notesSz cx="6858000" cy="9144000"/>
@@ -840,7 +837,7 @@
           <a:p>
             <a:fld id="{3BB70FF7-DE8A-4E24-95A5-0375A3E8F974}" type="datetimeFigureOut">
               <a:rPr lang="en-GB" smtClean="0"/>
-              <a:t>20/08/2024</a:t>
+              <a:t>26/08/2024</a:t>
             </a:fld>
             <a:endParaRPr lang="en-GB"/>
           </a:p>
@@ -1091,7 +1088,7 @@
           <a:p>
             <a:fld id="{3BB70FF7-DE8A-4E24-95A5-0375A3E8F974}" type="datetimeFigureOut">
               <a:rPr lang="en-GB" smtClean="0"/>
-              <a:t>20/08/2024</a:t>
+              <a:t>26/08/2024</a:t>
             </a:fld>
             <a:endParaRPr lang="en-GB"/>
           </a:p>
@@ -1405,7 +1402,7 @@
           <a:p>
             <a:fld id="{3BB70FF7-DE8A-4E24-95A5-0375A3E8F974}" type="datetimeFigureOut">
               <a:rPr lang="en-GB" smtClean="0"/>
-              <a:t>20/08/2024</a:t>
+              <a:t>26/08/2024</a:t>
             </a:fld>
             <a:endParaRPr lang="en-GB"/>
           </a:p>
@@ -1732,7 +1729,7 @@
           <a:p>
             <a:fld id="{3BB70FF7-DE8A-4E24-95A5-0375A3E8F974}" type="datetimeFigureOut">
               <a:rPr lang="en-GB" smtClean="0"/>
-              <a:t>20/08/2024</a:t>
+              <a:t>26/08/2024</a:t>
             </a:fld>
             <a:endParaRPr lang="en-GB"/>
           </a:p>
@@ -2046,7 +2043,7 @@
           <a:p>
             <a:fld id="{3BB70FF7-DE8A-4E24-95A5-0375A3E8F974}" type="datetimeFigureOut">
               <a:rPr lang="en-GB" smtClean="0"/>
-              <a:t>20/08/2024</a:t>
+              <a:t>26/08/2024</a:t>
             </a:fld>
             <a:endParaRPr lang="en-GB"/>
           </a:p>
@@ -2433,7 +2430,7 @@
           <a:p>
             <a:fld id="{3BB70FF7-DE8A-4E24-95A5-0375A3E8F974}" type="datetimeFigureOut">
               <a:rPr lang="en-GB" smtClean="0"/>
-              <a:t>20/08/2024</a:t>
+              <a:t>26/08/2024</a:t>
             </a:fld>
             <a:endParaRPr lang="en-GB"/>
           </a:p>
@@ -2603,7 +2600,7 @@
           <a:p>
             <a:fld id="{3BB70FF7-DE8A-4E24-95A5-0375A3E8F974}" type="datetimeFigureOut">
               <a:rPr lang="en-GB" smtClean="0"/>
-              <a:t>20/08/2024</a:t>
+              <a:t>26/08/2024</a:t>
             </a:fld>
             <a:endParaRPr lang="en-GB"/>
           </a:p>
@@ -2783,7 +2780,7 @@
           <a:p>
             <a:fld id="{3BB70FF7-DE8A-4E24-95A5-0375A3E8F974}" type="datetimeFigureOut">
               <a:rPr lang="en-GB" smtClean="0"/>
-              <a:t>20/08/2024</a:t>
+              <a:t>26/08/2024</a:t>
             </a:fld>
             <a:endParaRPr lang="en-GB"/>
           </a:p>
@@ -2959,7 +2956,7 @@
           <a:p>
             <a:fld id="{3BB70FF7-DE8A-4E24-95A5-0375A3E8F974}" type="datetimeFigureOut">
               <a:rPr lang="en-GB" smtClean="0"/>
-              <a:t>20/08/2024</a:t>
+              <a:t>26/08/2024</a:t>
             </a:fld>
             <a:endParaRPr lang="en-GB"/>
           </a:p>
@@ -3206,7 +3203,7 @@
           <a:p>
             <a:fld id="{3BB70FF7-DE8A-4E24-95A5-0375A3E8F974}" type="datetimeFigureOut">
               <a:rPr lang="en-GB" smtClean="0"/>
-              <a:t>20/08/2024</a:t>
+              <a:t>26/08/2024</a:t>
             </a:fld>
             <a:endParaRPr lang="en-GB"/>
           </a:p>
@@ -3438,7 +3435,7 @@
           <a:p>
             <a:fld id="{3BB70FF7-DE8A-4E24-95A5-0375A3E8F974}" type="datetimeFigureOut">
               <a:rPr lang="en-GB" smtClean="0"/>
-              <a:t>20/08/2024</a:t>
+              <a:t>26/08/2024</a:t>
             </a:fld>
             <a:endParaRPr lang="en-GB"/>
           </a:p>
@@ -3812,7 +3809,7 @@
           <a:p>
             <a:fld id="{3BB70FF7-DE8A-4E24-95A5-0375A3E8F974}" type="datetimeFigureOut">
               <a:rPr lang="en-GB" smtClean="0"/>
-              <a:t>20/08/2024</a:t>
+              <a:t>26/08/2024</a:t>
             </a:fld>
             <a:endParaRPr lang="en-GB"/>
           </a:p>
@@ -3935,7 +3932,7 @@
           <a:p>
             <a:fld id="{3BB70FF7-DE8A-4E24-95A5-0375A3E8F974}" type="datetimeFigureOut">
               <a:rPr lang="en-GB" smtClean="0"/>
-              <a:t>20/08/2024</a:t>
+              <a:t>26/08/2024</a:t>
             </a:fld>
             <a:endParaRPr lang="en-GB"/>
           </a:p>
@@ -4030,7 +4027,7 @@
           <a:p>
             <a:fld id="{3BB70FF7-DE8A-4E24-95A5-0375A3E8F974}" type="datetimeFigureOut">
               <a:rPr lang="en-GB" smtClean="0"/>
-              <a:t>20/08/2024</a:t>
+              <a:t>26/08/2024</a:t>
             </a:fld>
             <a:endParaRPr lang="en-GB"/>
           </a:p>
@@ -4285,7 +4282,7 @@
           <a:p>
             <a:fld id="{3BB70FF7-DE8A-4E24-95A5-0375A3E8F974}" type="datetimeFigureOut">
               <a:rPr lang="en-GB" smtClean="0"/>
-              <a:t>20/08/2024</a:t>
+              <a:t>26/08/2024</a:t>
             </a:fld>
             <a:endParaRPr lang="en-GB"/>
           </a:p>
@@ -4548,7 +4545,7 @@
           <a:p>
             <a:fld id="{3BB70FF7-DE8A-4E24-95A5-0375A3E8F974}" type="datetimeFigureOut">
               <a:rPr lang="en-GB" smtClean="0"/>
-              <a:t>20/08/2024</a:t>
+              <a:t>26/08/2024</a:t>
             </a:fld>
             <a:endParaRPr lang="en-GB"/>
           </a:p>
@@ -5293,7 +5290,7 @@
           <a:p>
             <a:fld id="{3BB70FF7-DE8A-4E24-95A5-0375A3E8F974}" type="datetimeFigureOut">
               <a:rPr lang="en-GB" smtClean="0"/>
-              <a:t>20/08/2024</a:t>
+              <a:t>26/08/2024</a:t>
             </a:fld>
             <a:endParaRPr lang="en-GB"/>
           </a:p>
@@ -6114,584 +6111,6 @@
 </p:sld>
 </file>
 
-<file path=ppt/slides/slide3.xml><?xml version="1.0" encoding="utf-8"?>
-<p:sld xmlns:a="http://schemas.openxmlformats.org/drawingml/2006/main" xmlns:r="http://schemas.openxmlformats.org/officeDocument/2006/relationships" xmlns:p="http://schemas.openxmlformats.org/presentationml/2006/main">
-  <p:cSld>
-    <p:spTree>
-      <p:nvGrpSpPr>
-        <p:cNvPr id="1" name=""/>
-        <p:cNvGrpSpPr/>
-        <p:nvPr/>
-      </p:nvGrpSpPr>
-      <p:grpSpPr>
-        <a:xfrm>
-          <a:off x="0" y="0"/>
-          <a:ext cx="0" cy="0"/>
-          <a:chOff x="0" y="0"/>
-          <a:chExt cx="0" cy="0"/>
-        </a:xfrm>
-      </p:grpSpPr>
-    </p:spTree>
-    <p:extLst>
-      <p:ext uri="{BB962C8B-B14F-4D97-AF65-F5344CB8AC3E}">
-        <p14:creationId xmlns:p14="http://schemas.microsoft.com/office/powerpoint/2010/main" val="1544718400"/>
-      </p:ext>
-    </p:extLst>
-  </p:cSld>
-  <p:clrMapOvr>
-    <a:masterClrMapping/>
-  </p:clrMapOvr>
-</p:sld>
-</file>
-
-<file path=ppt/slides/slide4.xml><?xml version="1.0" encoding="utf-8"?>
-<p:sld xmlns:a="http://schemas.openxmlformats.org/drawingml/2006/main" xmlns:r="http://schemas.openxmlformats.org/officeDocument/2006/relationships" xmlns:p="http://schemas.openxmlformats.org/presentationml/2006/main">
-  <p:cSld>
-    <p:spTree>
-      <p:nvGrpSpPr>
-        <p:cNvPr id="1" name=""/>
-        <p:cNvGrpSpPr/>
-        <p:nvPr/>
-      </p:nvGrpSpPr>
-      <p:grpSpPr>
-        <a:xfrm>
-          <a:off x="0" y="0"/>
-          <a:ext cx="0" cy="0"/>
-          <a:chOff x="0" y="0"/>
-          <a:chExt cx="0" cy="0"/>
-        </a:xfrm>
-      </p:grpSpPr>
-    </p:spTree>
-    <p:extLst>
-      <p:ext uri="{BB962C8B-B14F-4D97-AF65-F5344CB8AC3E}">
-        <p14:creationId xmlns:p14="http://schemas.microsoft.com/office/powerpoint/2010/main" val="3364134652"/>
-      </p:ext>
-    </p:extLst>
-  </p:cSld>
-  <p:clrMapOvr>
-    <a:masterClrMapping/>
-  </p:clrMapOvr>
-</p:sld>
-</file>
-
-<file path=ppt/slides/slide5.xml><?xml version="1.0" encoding="utf-8"?>
-<p:sld xmlns:a="http://schemas.openxmlformats.org/drawingml/2006/main" xmlns:r="http://schemas.openxmlformats.org/officeDocument/2006/relationships" xmlns:p="http://schemas.openxmlformats.org/presentationml/2006/main">
-  <p:cSld>
-    <p:spTree>
-      <p:nvGrpSpPr>
-        <p:cNvPr id="1" name=""/>
-        <p:cNvGrpSpPr/>
-        <p:nvPr/>
-      </p:nvGrpSpPr>
-      <p:grpSpPr>
-        <a:xfrm>
-          <a:off x="0" y="0"/>
-          <a:ext cx="0" cy="0"/>
-          <a:chOff x="0" y="0"/>
-          <a:chExt cx="0" cy="0"/>
-        </a:xfrm>
-      </p:grpSpPr>
-      <p:sp>
-        <p:nvSpPr>
-          <p:cNvPr id="2" name="Rectangle 1">
-            <a:extLst>
-              <a:ext uri="{FF2B5EF4-FFF2-40B4-BE49-F238E27FC236}">
-                <a16:creationId xmlns:a16="http://schemas.microsoft.com/office/drawing/2014/main" id="{D9F12519-AA3B-4B41-A558-C6E4BE074E5F}"/>
-              </a:ext>
-            </a:extLst>
-          </p:cNvPr>
-          <p:cNvSpPr/>
-          <p:nvPr/>
-        </p:nvSpPr>
-        <p:spPr>
-          <a:xfrm>
-            <a:off x="0" y="0"/>
-            <a:ext cx="12192000" cy="6858000"/>
-          </a:xfrm>
-          <a:prstGeom prst="rect">
-            <a:avLst/>
-          </a:prstGeom>
-          <a:solidFill>
-            <a:schemeClr val="accent1">
-              <a:lumMod val="40000"/>
-              <a:lumOff val="60000"/>
-            </a:schemeClr>
-          </a:solidFill>
-          <a:ln>
-            <a:noFill/>
-          </a:ln>
-        </p:spPr>
-        <p:style>
-          <a:lnRef idx="2">
-            <a:schemeClr val="accent1">
-              <a:shade val="15000"/>
-            </a:schemeClr>
-          </a:lnRef>
-          <a:fillRef idx="1">
-            <a:schemeClr val="accent1"/>
-          </a:fillRef>
-          <a:effectRef idx="0">
-            <a:schemeClr val="accent1"/>
-          </a:effectRef>
-          <a:fontRef idx="minor">
-            <a:schemeClr val="lt1"/>
-          </a:fontRef>
-        </p:style>
-        <p:txBody>
-          <a:bodyPr rtlCol="0" anchor="ctr"/>
-          <a:lstStyle/>
-          <a:p>
-            <a:pPr algn="ctr"/>
-            <a:endParaRPr lang="en-GB"/>
-          </a:p>
-        </p:txBody>
-      </p:sp>
-      <p:sp>
-        <p:nvSpPr>
-          <p:cNvPr id="7" name="Rectangle 6">
-            <a:extLst>
-              <a:ext uri="{FF2B5EF4-FFF2-40B4-BE49-F238E27FC236}">
-                <a16:creationId xmlns:a16="http://schemas.microsoft.com/office/drawing/2014/main" id="{455B340F-5E97-6E84-689D-24BC6A0C46DF}"/>
-              </a:ext>
-            </a:extLst>
-          </p:cNvPr>
-          <p:cNvSpPr/>
-          <p:nvPr/>
-        </p:nvSpPr>
-        <p:spPr>
-          <a:xfrm>
-            <a:off x="104087" y="337624"/>
-            <a:ext cx="11798105" cy="6520376"/>
-          </a:xfrm>
-          <a:prstGeom prst="rect">
-            <a:avLst/>
-          </a:prstGeom>
-          <a:solidFill>
-            <a:schemeClr val="tx2">
-              <a:lumMod val="20000"/>
-              <a:lumOff val="80000"/>
-            </a:schemeClr>
-          </a:solidFill>
-          <a:ln>
-            <a:noFill/>
-          </a:ln>
-        </p:spPr>
-        <p:style>
-          <a:lnRef idx="2">
-            <a:schemeClr val="accent1">
-              <a:shade val="15000"/>
-            </a:schemeClr>
-          </a:lnRef>
-          <a:fillRef idx="1">
-            <a:schemeClr val="accent1"/>
-          </a:fillRef>
-          <a:effectRef idx="0">
-            <a:schemeClr val="accent1"/>
-          </a:effectRef>
-          <a:fontRef idx="minor">
-            <a:schemeClr val="lt1"/>
-          </a:fontRef>
-        </p:style>
-        <p:txBody>
-          <a:bodyPr rtlCol="0" anchor="ctr"/>
-          <a:lstStyle/>
-          <a:p>
-            <a:pPr algn="ctr"/>
-            <a:endParaRPr lang="en-GB"/>
-          </a:p>
-        </p:txBody>
-      </p:sp>
-      <p:sp>
-        <p:nvSpPr>
-          <p:cNvPr id="5" name="Rectangle: Rounded Corners 4">
-            <a:extLst>
-              <a:ext uri="{FF2B5EF4-FFF2-40B4-BE49-F238E27FC236}">
-                <a16:creationId xmlns:a16="http://schemas.microsoft.com/office/drawing/2014/main" id="{C9B057F6-6576-B7E2-8BAD-02892C030F2B}"/>
-              </a:ext>
-            </a:extLst>
-          </p:cNvPr>
-          <p:cNvSpPr/>
-          <p:nvPr/>
-        </p:nvSpPr>
-        <p:spPr>
-          <a:xfrm>
-            <a:off x="140676" y="168812"/>
-            <a:ext cx="661181" cy="6520376"/>
-          </a:xfrm>
-          <a:prstGeom prst="roundRect">
-            <a:avLst/>
-          </a:prstGeom>
-          <a:solidFill>
-            <a:schemeClr val="accent1">
-              <a:lumMod val="50000"/>
-            </a:schemeClr>
-          </a:solidFill>
-          <a:ln>
-            <a:noFill/>
-          </a:ln>
-        </p:spPr>
-        <p:style>
-          <a:lnRef idx="2">
-            <a:schemeClr val="accent1">
-              <a:shade val="15000"/>
-            </a:schemeClr>
-          </a:lnRef>
-          <a:fillRef idx="1">
-            <a:schemeClr val="accent1"/>
-          </a:fillRef>
-          <a:effectRef idx="0">
-            <a:schemeClr val="accent1"/>
-          </a:effectRef>
-          <a:fontRef idx="minor">
-            <a:schemeClr val="lt1"/>
-          </a:fontRef>
-        </p:style>
-        <p:txBody>
-          <a:bodyPr rtlCol="0" anchor="ctr"/>
-          <a:lstStyle/>
-          <a:p>
-            <a:pPr algn="ctr"/>
-            <a:endParaRPr lang="en-GB"/>
-          </a:p>
-        </p:txBody>
-      </p:sp>
-      <p:sp>
-        <p:nvSpPr>
-          <p:cNvPr id="8" name="Rectangle: Rounded Corners 7">
-            <a:extLst>
-              <a:ext uri="{FF2B5EF4-FFF2-40B4-BE49-F238E27FC236}">
-                <a16:creationId xmlns:a16="http://schemas.microsoft.com/office/drawing/2014/main" id="{AC8E6348-D861-C572-A65A-1335AC972297}"/>
-              </a:ext>
-            </a:extLst>
-          </p:cNvPr>
-          <p:cNvSpPr/>
-          <p:nvPr/>
-        </p:nvSpPr>
-        <p:spPr>
-          <a:xfrm>
-            <a:off x="872195" y="337624"/>
-            <a:ext cx="11136925" cy="661182"/>
-          </a:xfrm>
-          <a:prstGeom prst="roundRect">
-            <a:avLst/>
-          </a:prstGeom>
-          <a:solidFill>
-            <a:schemeClr val="bg1">
-              <a:lumMod val="95000"/>
-            </a:schemeClr>
-          </a:solidFill>
-        </p:spPr>
-        <p:style>
-          <a:lnRef idx="2">
-            <a:schemeClr val="accent1">
-              <a:shade val="15000"/>
-            </a:schemeClr>
-          </a:lnRef>
-          <a:fillRef idx="1">
-            <a:schemeClr val="accent1"/>
-          </a:fillRef>
-          <a:effectRef idx="0">
-            <a:schemeClr val="accent1"/>
-          </a:effectRef>
-          <a:fontRef idx="minor">
-            <a:schemeClr val="lt1"/>
-          </a:fontRef>
-        </p:style>
-        <p:txBody>
-          <a:bodyPr rtlCol="0" anchor="ctr"/>
-          <a:lstStyle/>
-          <a:p>
-            <a:pPr algn="ctr"/>
-            <a:endParaRPr lang="en-GB"/>
-          </a:p>
-        </p:txBody>
-      </p:sp>
-      <p:sp>
-        <p:nvSpPr>
-          <p:cNvPr id="9" name="Rectangle: Rounded Corners 8">
-            <a:extLst>
-              <a:ext uri="{FF2B5EF4-FFF2-40B4-BE49-F238E27FC236}">
-                <a16:creationId xmlns:a16="http://schemas.microsoft.com/office/drawing/2014/main" id="{3CB0C251-0C93-744F-AFE5-75E989E54240}"/>
-              </a:ext>
-            </a:extLst>
-          </p:cNvPr>
-          <p:cNvSpPr/>
-          <p:nvPr/>
-        </p:nvSpPr>
-        <p:spPr>
-          <a:xfrm>
-            <a:off x="858127" y="1167618"/>
-            <a:ext cx="11136925" cy="661182"/>
-          </a:xfrm>
-          <a:prstGeom prst="roundRect">
-            <a:avLst/>
-          </a:prstGeom>
-          <a:solidFill>
-            <a:schemeClr val="bg1">
-              <a:lumMod val="95000"/>
-            </a:schemeClr>
-          </a:solidFill>
-        </p:spPr>
-        <p:style>
-          <a:lnRef idx="2">
-            <a:schemeClr val="accent1">
-              <a:shade val="15000"/>
-            </a:schemeClr>
-          </a:lnRef>
-          <a:fillRef idx="1">
-            <a:schemeClr val="accent1"/>
-          </a:fillRef>
-          <a:effectRef idx="0">
-            <a:schemeClr val="accent1"/>
-          </a:effectRef>
-          <a:fontRef idx="minor">
-            <a:schemeClr val="lt1"/>
-          </a:fontRef>
-        </p:style>
-        <p:txBody>
-          <a:bodyPr rtlCol="0" anchor="ctr"/>
-          <a:lstStyle/>
-          <a:p>
-            <a:pPr algn="ctr"/>
-            <a:endParaRPr lang="en-GB"/>
-          </a:p>
-        </p:txBody>
-      </p:sp>
-      <p:pic>
-        <p:nvPicPr>
-          <p:cNvPr id="18" name="Picture 17">
-            <a:extLst>
-              <a:ext uri="{FF2B5EF4-FFF2-40B4-BE49-F238E27FC236}">
-                <a16:creationId xmlns:a16="http://schemas.microsoft.com/office/drawing/2014/main" id="{F2F496EC-2306-0051-B976-F99F976E12CE}"/>
-              </a:ext>
-            </a:extLst>
-          </p:cNvPr>
-          <p:cNvPicPr>
-            <a:picLocks noChangeAspect="1"/>
-          </p:cNvPicPr>
-          <p:nvPr/>
-        </p:nvPicPr>
-        <p:blipFill>
-          <a:blip r:embed="rId2">
-            <a:lum bright="70000" contrast="-70000"/>
-          </a:blip>
-          <a:stretch>
-            <a:fillRect/>
-          </a:stretch>
-        </p:blipFill>
-        <p:spPr>
-          <a:xfrm>
-            <a:off x="161451" y="681241"/>
-            <a:ext cx="635130" cy="635130"/>
-          </a:xfrm>
-          <a:prstGeom prst="rect">
-            <a:avLst/>
-          </a:prstGeom>
-        </p:spPr>
-      </p:pic>
-      <p:pic>
-        <p:nvPicPr>
-          <p:cNvPr id="19" name="Picture 18">
-            <a:extLst>
-              <a:ext uri="{FF2B5EF4-FFF2-40B4-BE49-F238E27FC236}">
-                <a16:creationId xmlns:a16="http://schemas.microsoft.com/office/drawing/2014/main" id="{2D3FB87F-5E94-88EF-EBB6-859FFC84747A}"/>
-              </a:ext>
-            </a:extLst>
-          </p:cNvPr>
-          <p:cNvPicPr>
-            <a:picLocks noChangeAspect="1"/>
-          </p:cNvPicPr>
-          <p:nvPr/>
-        </p:nvPicPr>
-        <p:blipFill>
-          <a:blip r:embed="rId3">
-            <a:lum bright="70000" contrast="-70000"/>
-          </a:blip>
-          <a:stretch>
-            <a:fillRect/>
-          </a:stretch>
-        </p:blipFill>
-        <p:spPr>
-          <a:xfrm>
-            <a:off x="161451" y="2141267"/>
-            <a:ext cx="635130" cy="635130"/>
-          </a:xfrm>
-          <a:prstGeom prst="rect">
-            <a:avLst/>
-          </a:prstGeom>
-        </p:spPr>
-      </p:pic>
-      <p:pic>
-        <p:nvPicPr>
-          <p:cNvPr id="20" name="Picture 19">
-            <a:extLst>
-              <a:ext uri="{FF2B5EF4-FFF2-40B4-BE49-F238E27FC236}">
-                <a16:creationId xmlns:a16="http://schemas.microsoft.com/office/drawing/2014/main" id="{F38B47BA-F148-BB37-E07B-18448785ED19}"/>
-              </a:ext>
-            </a:extLst>
-          </p:cNvPr>
-          <p:cNvPicPr>
-            <a:picLocks noChangeAspect="1"/>
-          </p:cNvPicPr>
-          <p:nvPr/>
-        </p:nvPicPr>
-        <p:blipFill>
-          <a:blip r:embed="rId4">
-            <a:lum bright="70000" contrast="-70000"/>
-          </a:blip>
-          <a:stretch>
-            <a:fillRect/>
-          </a:stretch>
-        </p:blipFill>
-        <p:spPr>
-          <a:xfrm>
-            <a:off x="186244" y="1436047"/>
-            <a:ext cx="585544" cy="585544"/>
-          </a:xfrm>
-          <a:prstGeom prst="rect">
-            <a:avLst/>
-          </a:prstGeom>
-        </p:spPr>
-      </p:pic>
-      <p:pic>
-        <p:nvPicPr>
-          <p:cNvPr id="21" name="Picture 20">
-            <a:extLst>
-              <a:ext uri="{FF2B5EF4-FFF2-40B4-BE49-F238E27FC236}">
-                <a16:creationId xmlns:a16="http://schemas.microsoft.com/office/drawing/2014/main" id="{298DC6AC-1325-8DCB-EED3-DE0180A59A13}"/>
-              </a:ext>
-            </a:extLst>
-          </p:cNvPr>
-          <p:cNvPicPr>
-            <a:picLocks noChangeAspect="1"/>
-          </p:cNvPicPr>
-          <p:nvPr/>
-        </p:nvPicPr>
-        <p:blipFill>
-          <a:blip r:embed="rId5">
-            <a:lum bright="70000" contrast="-70000"/>
-          </a:blip>
-          <a:stretch>
-            <a:fillRect/>
-          </a:stretch>
-        </p:blipFill>
-        <p:spPr>
-          <a:xfrm>
-            <a:off x="161451" y="2896072"/>
-            <a:ext cx="585543" cy="585543"/>
-          </a:xfrm>
-          <a:prstGeom prst="rect">
-            <a:avLst/>
-          </a:prstGeom>
-        </p:spPr>
-      </p:pic>
-      <p:pic>
-        <p:nvPicPr>
-          <p:cNvPr id="23" name="Picture 22">
-            <a:extLst>
-              <a:ext uri="{FF2B5EF4-FFF2-40B4-BE49-F238E27FC236}">
-                <a16:creationId xmlns:a16="http://schemas.microsoft.com/office/drawing/2014/main" id="{1E3172A4-6E99-845B-8FCD-9E83DA9FE713}"/>
-              </a:ext>
-            </a:extLst>
-          </p:cNvPr>
-          <p:cNvPicPr>
-            <a:picLocks noChangeAspect="1"/>
-          </p:cNvPicPr>
-          <p:nvPr/>
-        </p:nvPicPr>
-        <p:blipFill>
-          <a:blip r:embed="rId6">
-            <a:lum bright="70000" contrast="-70000"/>
-          </a:blip>
-          <a:stretch>
-            <a:fillRect/>
-          </a:stretch>
-        </p:blipFill>
-        <p:spPr>
-          <a:xfrm>
-            <a:off x="104087" y="4799907"/>
-            <a:ext cx="661181" cy="661181"/>
-          </a:xfrm>
-          <a:prstGeom prst="rect">
-            <a:avLst/>
-          </a:prstGeom>
-        </p:spPr>
-      </p:pic>
-      <p:pic>
-        <p:nvPicPr>
-          <p:cNvPr id="25" name="Picture 24">
-            <a:extLst>
-              <a:ext uri="{FF2B5EF4-FFF2-40B4-BE49-F238E27FC236}">
-                <a16:creationId xmlns:a16="http://schemas.microsoft.com/office/drawing/2014/main" id="{8195B31C-2016-6C1B-0A5D-B858B68CA4EA}"/>
-              </a:ext>
-            </a:extLst>
-          </p:cNvPr>
-          <p:cNvPicPr>
-            <a:picLocks noChangeAspect="1"/>
-          </p:cNvPicPr>
-          <p:nvPr/>
-        </p:nvPicPr>
-        <p:blipFill>
-          <a:blip r:embed="rId7"/>
-          <a:stretch>
-            <a:fillRect/>
-          </a:stretch>
-        </p:blipFill>
-        <p:spPr>
-          <a:xfrm>
-            <a:off x="131131" y="5406527"/>
-            <a:ext cx="661181" cy="661181"/>
-          </a:xfrm>
-          <a:prstGeom prst="rect">
-            <a:avLst/>
-          </a:prstGeom>
-        </p:spPr>
-      </p:pic>
-      <p:pic>
-        <p:nvPicPr>
-          <p:cNvPr id="29" name="Picture 28">
-            <a:extLst>
-              <a:ext uri="{FF2B5EF4-FFF2-40B4-BE49-F238E27FC236}">
-                <a16:creationId xmlns:a16="http://schemas.microsoft.com/office/drawing/2014/main" id="{9E720A85-63E0-D7A6-7432-04C60B13ADE8}"/>
-              </a:ext>
-            </a:extLst>
-          </p:cNvPr>
-          <p:cNvPicPr>
-            <a:picLocks noChangeAspect="1"/>
-          </p:cNvPicPr>
-          <p:nvPr/>
-        </p:nvPicPr>
-        <p:blipFill>
-          <a:blip r:embed="rId8">
-            <a:lum bright="70000" contrast="-70000"/>
-          </a:blip>
-          <a:stretch>
-            <a:fillRect/>
-          </a:stretch>
-        </p:blipFill>
-        <p:spPr>
-          <a:xfrm>
-            <a:off x="123631" y="6013146"/>
-            <a:ext cx="603128" cy="603128"/>
-          </a:xfrm>
-          <a:prstGeom prst="rect">
-            <a:avLst/>
-          </a:prstGeom>
-        </p:spPr>
-      </p:pic>
-    </p:spTree>
-    <p:extLst>
-      <p:ext uri="{BB962C8B-B14F-4D97-AF65-F5344CB8AC3E}">
-        <p14:creationId xmlns:p14="http://schemas.microsoft.com/office/powerpoint/2010/main" val="2991013400"/>
-      </p:ext>
-    </p:extLst>
-  </p:cSld>
-  <p:clrMapOvr>
-    <a:masterClrMapping/>
-  </p:clrMapOvr>
-</p:sld>
-</file>
-
 <file path=ppt/theme/theme1.xml><?xml version="1.0" encoding="utf-8"?>
 <a:theme xmlns:a="http://schemas.openxmlformats.org/drawingml/2006/main" name="Facet">
   <a:themeElements>
